--- a/2023/cards.pptx
+++ b/2023/cards.pptx
@@ -269,7 +269,7 @@
           <a:p>
             <a:fld id="{9A6E6C6A-BFC1-A745-B572-C8A6DC61361B}" type="datetimeFigureOut">
               <a:rPr kumimoji="1" lang="ja-JP" altLang="en-US" smtClean="0"/>
-              <a:t>2023/6/15</a:t>
+              <a:t>2023/7/10</a:t>
             </a:fld>
             <a:endParaRPr kumimoji="1" lang="ja-JP" altLang="en-US"/>
           </a:p>
@@ -499,7 +499,7 @@
           <a:p>
             <a:fld id="{9A6E6C6A-BFC1-A745-B572-C8A6DC61361B}" type="datetimeFigureOut">
               <a:rPr kumimoji="1" lang="ja-JP" altLang="en-US" smtClean="0"/>
-              <a:t>2023/6/15</a:t>
+              <a:t>2023/7/10</a:t>
             </a:fld>
             <a:endParaRPr kumimoji="1" lang="ja-JP" altLang="en-US"/>
           </a:p>
@@ -739,7 +739,7 @@
           <a:p>
             <a:fld id="{9A6E6C6A-BFC1-A745-B572-C8A6DC61361B}" type="datetimeFigureOut">
               <a:rPr kumimoji="1" lang="ja-JP" altLang="en-US" smtClean="0"/>
-              <a:t>2023/6/15</a:t>
+              <a:t>2023/7/10</a:t>
             </a:fld>
             <a:endParaRPr kumimoji="1" lang="ja-JP" altLang="en-US"/>
           </a:p>
@@ -969,7 +969,7 @@
           <a:p>
             <a:fld id="{9A6E6C6A-BFC1-A745-B572-C8A6DC61361B}" type="datetimeFigureOut">
               <a:rPr kumimoji="1" lang="ja-JP" altLang="en-US" smtClean="0"/>
-              <a:t>2023/6/15</a:t>
+              <a:t>2023/7/10</a:t>
             </a:fld>
             <a:endParaRPr kumimoji="1" lang="ja-JP" altLang="en-US"/>
           </a:p>
@@ -1244,7 +1244,7 @@
           <a:p>
             <a:fld id="{9A6E6C6A-BFC1-A745-B572-C8A6DC61361B}" type="datetimeFigureOut">
               <a:rPr kumimoji="1" lang="ja-JP" altLang="en-US" smtClean="0"/>
-              <a:t>2023/6/15</a:t>
+              <a:t>2023/7/10</a:t>
             </a:fld>
             <a:endParaRPr kumimoji="1" lang="ja-JP" altLang="en-US"/>
           </a:p>
@@ -1573,7 +1573,7 @@
           <a:p>
             <a:fld id="{9A6E6C6A-BFC1-A745-B572-C8A6DC61361B}" type="datetimeFigureOut">
               <a:rPr kumimoji="1" lang="ja-JP" altLang="en-US" smtClean="0"/>
-              <a:t>2023/6/15</a:t>
+              <a:t>2023/7/10</a:t>
             </a:fld>
             <a:endParaRPr kumimoji="1" lang="ja-JP" altLang="en-US"/>
           </a:p>
@@ -2049,7 +2049,7 @@
           <a:p>
             <a:fld id="{9A6E6C6A-BFC1-A745-B572-C8A6DC61361B}" type="datetimeFigureOut">
               <a:rPr kumimoji="1" lang="ja-JP" altLang="en-US" smtClean="0"/>
-              <a:t>2023/6/15</a:t>
+              <a:t>2023/7/10</a:t>
             </a:fld>
             <a:endParaRPr kumimoji="1" lang="ja-JP" altLang="en-US"/>
           </a:p>
@@ -2190,7 +2190,7 @@
           <a:p>
             <a:fld id="{9A6E6C6A-BFC1-A745-B572-C8A6DC61361B}" type="datetimeFigureOut">
               <a:rPr kumimoji="1" lang="ja-JP" altLang="en-US" smtClean="0"/>
-              <a:t>2023/6/15</a:t>
+              <a:t>2023/7/10</a:t>
             </a:fld>
             <a:endParaRPr kumimoji="1" lang="ja-JP" altLang="en-US"/>
           </a:p>
@@ -2303,7 +2303,7 @@
           <a:p>
             <a:fld id="{9A6E6C6A-BFC1-A745-B572-C8A6DC61361B}" type="datetimeFigureOut">
               <a:rPr kumimoji="1" lang="ja-JP" altLang="en-US" smtClean="0"/>
-              <a:t>2023/6/15</a:t>
+              <a:t>2023/7/10</a:t>
             </a:fld>
             <a:endParaRPr kumimoji="1" lang="ja-JP" altLang="en-US"/>
           </a:p>
@@ -2646,7 +2646,7 @@
           <a:p>
             <a:fld id="{9A6E6C6A-BFC1-A745-B572-C8A6DC61361B}" type="datetimeFigureOut">
               <a:rPr kumimoji="1" lang="ja-JP" altLang="en-US" smtClean="0"/>
-              <a:t>2023/6/15</a:t>
+              <a:t>2023/7/10</a:t>
             </a:fld>
             <a:endParaRPr kumimoji="1" lang="ja-JP" altLang="en-US"/>
           </a:p>
@@ -2934,7 +2934,7 @@
           <a:p>
             <a:fld id="{9A6E6C6A-BFC1-A745-B572-C8A6DC61361B}" type="datetimeFigureOut">
               <a:rPr kumimoji="1" lang="ja-JP" altLang="en-US" smtClean="0"/>
-              <a:t>2023/6/15</a:t>
+              <a:t>2023/7/10</a:t>
             </a:fld>
             <a:endParaRPr kumimoji="1" lang="ja-JP" altLang="en-US"/>
           </a:p>
@@ -3207,7 +3207,7 @@
           <a:p>
             <a:fld id="{9A6E6C6A-BFC1-A745-B572-C8A6DC61361B}" type="datetimeFigureOut">
               <a:rPr kumimoji="1" lang="ja-JP" altLang="en-US" smtClean="0"/>
-              <a:t>2023/6/15</a:t>
+              <a:t>2023/7/10</a:t>
             </a:fld>
             <a:endParaRPr kumimoji="1" lang="ja-JP" altLang="en-US"/>
           </a:p>
@@ -3956,51 +3956,6 @@
           </a:p>
         </p:txBody>
       </p:sp>
-      <p:pic>
-        <p:nvPicPr>
-          <p:cNvPr id="22" name="Picture 2">
-            <a:extLst>
-              <a:ext uri="{FF2B5EF4-FFF2-40B4-BE49-F238E27FC236}">
-                <a16:creationId xmlns:a16="http://schemas.microsoft.com/office/drawing/2014/main" id="{1A0BF727-3685-E884-2592-7702CB073E86}"/>
-              </a:ext>
-            </a:extLst>
-          </p:cNvPr>
-          <p:cNvPicPr>
-            <a:picLocks noChangeAspect="1" noChangeArrowheads="1"/>
-          </p:cNvPicPr>
-          <p:nvPr/>
-        </p:nvPicPr>
-        <p:blipFill rotWithShape="1">
-          <a:blip r:embed="rId2">
-            <a:extLst>
-              <a:ext uri="{28A0092B-C50C-407E-A947-70E740481C1C}">
-                <a14:useLocalDpi xmlns:a14="http://schemas.microsoft.com/office/drawing/2010/main" val="0"/>
-              </a:ext>
-            </a:extLst>
-          </a:blip>
-          <a:srcRect t="19038" r="19959" b="10055"/>
-          <a:stretch/>
-        </p:blipFill>
-        <p:spPr bwMode="auto">
-          <a:xfrm>
-            <a:off x="7140207" y="2186788"/>
-            <a:ext cx="4068877" cy="2703444"/>
-          </a:xfrm>
-          <a:prstGeom prst="rect">
-            <a:avLst/>
-          </a:prstGeom>
-          <a:noFill/>
-          <a:extLst>
-            <a:ext uri="{909E8E84-426E-40DD-AFC4-6F175D3DCCD1}">
-              <a14:hiddenFill xmlns:a14="http://schemas.microsoft.com/office/drawing/2010/main">
-                <a:solidFill>
-                  <a:srgbClr val="FFFFFF"/>
-                </a:solidFill>
-              </a14:hiddenFill>
-            </a:ext>
-          </a:extLst>
-        </p:spPr>
-      </p:pic>
       <p:sp>
         <p:nvSpPr>
           <p:cNvPr id="7" name="正方形/長方形 6">
@@ -4241,51 +4196,6 @@
           </a:p>
         </p:txBody>
       </p:sp>
-      <p:pic>
-        <p:nvPicPr>
-          <p:cNvPr id="3074" name="Picture 2">
-            <a:extLst>
-              <a:ext uri="{FF2B5EF4-FFF2-40B4-BE49-F238E27FC236}">
-                <a16:creationId xmlns:a16="http://schemas.microsoft.com/office/drawing/2014/main" id="{D0DAF255-11DC-D864-1B2D-FCAA83E7ED82}"/>
-              </a:ext>
-            </a:extLst>
-          </p:cNvPr>
-          <p:cNvPicPr>
-            <a:picLocks noChangeAspect="1" noChangeArrowheads="1"/>
-          </p:cNvPicPr>
-          <p:nvPr/>
-        </p:nvPicPr>
-        <p:blipFill rotWithShape="1">
-          <a:blip r:embed="rId2">
-            <a:extLst>
-              <a:ext uri="{28A0092B-C50C-407E-A947-70E740481C1C}">
-                <a14:useLocalDpi xmlns:a14="http://schemas.microsoft.com/office/drawing/2010/main" val="0"/>
-              </a:ext>
-            </a:extLst>
-          </a:blip>
-          <a:srcRect t="19038" r="19959" b="10055"/>
-          <a:stretch/>
-        </p:blipFill>
-        <p:spPr bwMode="auto">
-          <a:xfrm>
-            <a:off x="1225623" y="2188488"/>
-            <a:ext cx="4068877" cy="2703444"/>
-          </a:xfrm>
-          <a:prstGeom prst="rect">
-            <a:avLst/>
-          </a:prstGeom>
-          <a:noFill/>
-          <a:extLst>
-            <a:ext uri="{909E8E84-426E-40DD-AFC4-6F175D3DCCD1}">
-              <a14:hiddenFill xmlns:a14="http://schemas.microsoft.com/office/drawing/2010/main">
-                <a:solidFill>
-                  <a:srgbClr val="FFFFFF"/>
-                </a:solidFill>
-              </a14:hiddenFill>
-            </a:ext>
-          </a:extLst>
-        </p:spPr>
-      </p:pic>
       <p:sp>
         <p:nvSpPr>
           <p:cNvPr id="2" name="テキスト ボックス 1">
@@ -4726,6 +4636,96 @@
           </a:p>
         </p:txBody>
       </p:sp>
+      <p:pic>
+        <p:nvPicPr>
+          <p:cNvPr id="2050" name="Picture 2">
+            <a:extLst>
+              <a:ext uri="{FF2B5EF4-FFF2-40B4-BE49-F238E27FC236}">
+                <a16:creationId xmlns:a16="http://schemas.microsoft.com/office/drawing/2014/main" id="{570B482E-9C7B-517A-652E-295F13795DCD}"/>
+              </a:ext>
+            </a:extLst>
+          </p:cNvPr>
+          <p:cNvPicPr>
+            <a:picLocks noChangeAspect="1" noChangeArrowheads="1"/>
+          </p:cNvPicPr>
+          <p:nvPr/>
+        </p:nvPicPr>
+        <p:blipFill rotWithShape="1">
+          <a:blip r:embed="rId2">
+            <a:extLst>
+              <a:ext uri="{28A0092B-C50C-407E-A947-70E740481C1C}">
+                <a14:useLocalDpi xmlns:a14="http://schemas.microsoft.com/office/drawing/2010/main" val="0"/>
+              </a:ext>
+            </a:extLst>
+          </a:blip>
+          <a:srcRect l="1658" t="13315" r="2595" b="4185"/>
+          <a:stretch/>
+        </p:blipFill>
+        <p:spPr bwMode="auto">
+          <a:xfrm>
+            <a:off x="1266537" y="2341929"/>
+            <a:ext cx="4002984" cy="2586858"/>
+          </a:xfrm>
+          <a:prstGeom prst="rect">
+            <a:avLst/>
+          </a:prstGeom>
+          <a:noFill/>
+          <a:extLst>
+            <a:ext uri="{909E8E84-426E-40DD-AFC4-6F175D3DCCD1}">
+              <a14:hiddenFill xmlns:a14="http://schemas.microsoft.com/office/drawing/2010/main">
+                <a:solidFill>
+                  <a:srgbClr val="FFFFFF"/>
+                </a:solidFill>
+              </a14:hiddenFill>
+            </a:ext>
+          </a:extLst>
+        </p:spPr>
+      </p:pic>
+      <p:pic>
+        <p:nvPicPr>
+          <p:cNvPr id="9" name="Picture 2">
+            <a:extLst>
+              <a:ext uri="{FF2B5EF4-FFF2-40B4-BE49-F238E27FC236}">
+                <a16:creationId xmlns:a16="http://schemas.microsoft.com/office/drawing/2014/main" id="{9B8CB566-EC63-0EFF-59A8-AE6259948C19}"/>
+              </a:ext>
+            </a:extLst>
+          </p:cNvPr>
+          <p:cNvPicPr>
+            <a:picLocks noChangeAspect="1" noChangeArrowheads="1"/>
+          </p:cNvPicPr>
+          <p:nvPr/>
+        </p:nvPicPr>
+        <p:blipFill rotWithShape="1">
+          <a:blip r:embed="rId2">
+            <a:extLst>
+              <a:ext uri="{28A0092B-C50C-407E-A947-70E740481C1C}">
+                <a14:useLocalDpi xmlns:a14="http://schemas.microsoft.com/office/drawing/2010/main" val="0"/>
+              </a:ext>
+            </a:extLst>
+          </a:blip>
+          <a:srcRect l="1658" t="13315" r="2595" b="4185"/>
+          <a:stretch/>
+        </p:blipFill>
+        <p:spPr bwMode="auto">
+          <a:xfrm>
+            <a:off x="7173154" y="2341929"/>
+            <a:ext cx="4002984" cy="2586858"/>
+          </a:xfrm>
+          <a:prstGeom prst="rect">
+            <a:avLst/>
+          </a:prstGeom>
+          <a:noFill/>
+          <a:extLst>
+            <a:ext uri="{909E8E84-426E-40DD-AFC4-6F175D3DCCD1}">
+              <a14:hiddenFill xmlns:a14="http://schemas.microsoft.com/office/drawing/2010/main">
+                <a:solidFill>
+                  <a:srgbClr val="FFFFFF"/>
+                </a:solidFill>
+              </a14:hiddenFill>
+            </a:ext>
+          </a:extLst>
+        </p:spPr>
+      </p:pic>
     </p:spTree>
     <p:extLst>
       <p:ext uri="{BB962C8B-B14F-4D97-AF65-F5344CB8AC3E}">
@@ -4996,51 +4996,6 @@
           </a:p>
         </p:txBody>
       </p:sp>
-      <p:pic>
-        <p:nvPicPr>
-          <p:cNvPr id="2050" name="Picture 2">
-            <a:extLst>
-              <a:ext uri="{FF2B5EF4-FFF2-40B4-BE49-F238E27FC236}">
-                <a16:creationId xmlns:a16="http://schemas.microsoft.com/office/drawing/2014/main" id="{BDCEC321-393D-2E79-9C67-344D4A9E6D46}"/>
-              </a:ext>
-            </a:extLst>
-          </p:cNvPr>
-          <p:cNvPicPr>
-            <a:picLocks noChangeAspect="1" noChangeArrowheads="1"/>
-          </p:cNvPicPr>
-          <p:nvPr/>
-        </p:nvPicPr>
-        <p:blipFill rotWithShape="1">
-          <a:blip r:embed="rId2">
-            <a:extLst>
-              <a:ext uri="{28A0092B-C50C-407E-A947-70E740481C1C}">
-                <a14:useLocalDpi xmlns:a14="http://schemas.microsoft.com/office/drawing/2010/main" val="0"/>
-              </a:ext>
-            </a:extLst>
-          </a:blip>
-          <a:srcRect t="12174" r="12989" b="11684"/>
-          <a:stretch/>
-        </p:blipFill>
-        <p:spPr bwMode="auto">
-          <a:xfrm>
-            <a:off x="1236633" y="2213320"/>
-            <a:ext cx="4053838" cy="2660569"/>
-          </a:xfrm>
-          <a:prstGeom prst="rect">
-            <a:avLst/>
-          </a:prstGeom>
-          <a:noFill/>
-          <a:extLst>
-            <a:ext uri="{909E8E84-426E-40DD-AFC4-6F175D3DCCD1}">
-              <a14:hiddenFill xmlns:a14="http://schemas.microsoft.com/office/drawing/2010/main">
-                <a:solidFill>
-                  <a:srgbClr val="FFFFFF"/>
-                </a:solidFill>
-              </a14:hiddenFill>
-            </a:ext>
-          </a:extLst>
-        </p:spPr>
-      </p:pic>
       <p:sp>
         <p:nvSpPr>
           <p:cNvPr id="11" name="正方形/長方形 10">
@@ -5149,51 +5104,6 @@
           </a:p>
         </p:txBody>
       </p:sp>
-      <p:pic>
-        <p:nvPicPr>
-          <p:cNvPr id="3" name="Picture 2">
-            <a:extLst>
-              <a:ext uri="{FF2B5EF4-FFF2-40B4-BE49-F238E27FC236}">
-                <a16:creationId xmlns:a16="http://schemas.microsoft.com/office/drawing/2014/main" id="{E0B1FA79-D2D9-843E-1A70-239533CC8CF4}"/>
-              </a:ext>
-            </a:extLst>
-          </p:cNvPr>
-          <p:cNvPicPr>
-            <a:picLocks noChangeAspect="1" noChangeArrowheads="1"/>
-          </p:cNvPicPr>
-          <p:nvPr/>
-        </p:nvPicPr>
-        <p:blipFill rotWithShape="1">
-          <a:blip r:embed="rId2">
-            <a:extLst>
-              <a:ext uri="{28A0092B-C50C-407E-A947-70E740481C1C}">
-                <a14:useLocalDpi xmlns:a14="http://schemas.microsoft.com/office/drawing/2010/main" val="0"/>
-              </a:ext>
-            </a:extLst>
-          </a:blip>
-          <a:srcRect t="12174" r="12989" b="11684"/>
-          <a:stretch/>
-        </p:blipFill>
-        <p:spPr bwMode="auto">
-          <a:xfrm>
-            <a:off x="7155694" y="2206211"/>
-            <a:ext cx="4053838" cy="2660569"/>
-          </a:xfrm>
-          <a:prstGeom prst="rect">
-            <a:avLst/>
-          </a:prstGeom>
-          <a:noFill/>
-          <a:extLst>
-            <a:ext uri="{909E8E84-426E-40DD-AFC4-6F175D3DCCD1}">
-              <a14:hiddenFill xmlns:a14="http://schemas.microsoft.com/office/drawing/2010/main">
-                <a:solidFill>
-                  <a:srgbClr val="FFFFFF"/>
-                </a:solidFill>
-              </a14:hiddenFill>
-            </a:ext>
-          </a:extLst>
-        </p:spPr>
-      </p:pic>
       <p:sp>
         <p:nvSpPr>
           <p:cNvPr id="4" name="テキスト ボックス 3">
@@ -5634,6 +5544,96 @@
           </a:p>
         </p:txBody>
       </p:sp>
+      <p:pic>
+        <p:nvPicPr>
+          <p:cNvPr id="3074" name="Picture 2">
+            <a:extLst>
+              <a:ext uri="{FF2B5EF4-FFF2-40B4-BE49-F238E27FC236}">
+                <a16:creationId xmlns:a16="http://schemas.microsoft.com/office/drawing/2014/main" id="{A53E6E19-1B8E-46CE-78AF-44BE188D0D64}"/>
+              </a:ext>
+            </a:extLst>
+          </p:cNvPr>
+          <p:cNvPicPr>
+            <a:picLocks noChangeAspect="1" noChangeArrowheads="1"/>
+          </p:cNvPicPr>
+          <p:nvPr/>
+        </p:nvPicPr>
+        <p:blipFill rotWithShape="1">
+          <a:blip r:embed="rId2">
+            <a:extLst>
+              <a:ext uri="{28A0092B-C50C-407E-A947-70E740481C1C}">
+                <a14:useLocalDpi xmlns:a14="http://schemas.microsoft.com/office/drawing/2010/main" val="0"/>
+              </a:ext>
+            </a:extLst>
+          </a:blip>
+          <a:srcRect t="15435" b="11521"/>
+          <a:stretch/>
+        </p:blipFill>
+        <p:spPr bwMode="auto">
+          <a:xfrm>
+            <a:off x="1275821" y="2596229"/>
+            <a:ext cx="3984416" cy="2182767"/>
+          </a:xfrm>
+          <a:prstGeom prst="rect">
+            <a:avLst/>
+          </a:prstGeom>
+          <a:noFill/>
+          <a:extLst>
+            <a:ext uri="{909E8E84-426E-40DD-AFC4-6F175D3DCCD1}">
+              <a14:hiddenFill xmlns:a14="http://schemas.microsoft.com/office/drawing/2010/main">
+                <a:solidFill>
+                  <a:srgbClr val="FFFFFF"/>
+                </a:solidFill>
+              </a14:hiddenFill>
+            </a:ext>
+          </a:extLst>
+        </p:spPr>
+      </p:pic>
+      <p:pic>
+        <p:nvPicPr>
+          <p:cNvPr id="2" name="Picture 2">
+            <a:extLst>
+              <a:ext uri="{FF2B5EF4-FFF2-40B4-BE49-F238E27FC236}">
+                <a16:creationId xmlns:a16="http://schemas.microsoft.com/office/drawing/2014/main" id="{CE6C8D95-3A7A-9C86-4CC7-6BB1255E64A0}"/>
+              </a:ext>
+            </a:extLst>
+          </p:cNvPr>
+          <p:cNvPicPr>
+            <a:picLocks noChangeAspect="1" noChangeArrowheads="1"/>
+          </p:cNvPicPr>
+          <p:nvPr/>
+        </p:nvPicPr>
+        <p:blipFill rotWithShape="1">
+          <a:blip r:embed="rId2">
+            <a:extLst>
+              <a:ext uri="{28A0092B-C50C-407E-A947-70E740481C1C}">
+                <a14:useLocalDpi xmlns:a14="http://schemas.microsoft.com/office/drawing/2010/main" val="0"/>
+              </a:ext>
+            </a:extLst>
+          </a:blip>
+          <a:srcRect t="15435" b="11521"/>
+          <a:stretch/>
+        </p:blipFill>
+        <p:spPr bwMode="auto">
+          <a:xfrm>
+            <a:off x="7190405" y="2596229"/>
+            <a:ext cx="3984416" cy="2182767"/>
+          </a:xfrm>
+          <a:prstGeom prst="rect">
+            <a:avLst/>
+          </a:prstGeom>
+          <a:noFill/>
+          <a:extLst>
+            <a:ext uri="{909E8E84-426E-40DD-AFC4-6F175D3DCCD1}">
+              <a14:hiddenFill xmlns:a14="http://schemas.microsoft.com/office/drawing/2010/main">
+                <a:solidFill>
+                  <a:srgbClr val="FFFFFF"/>
+                </a:solidFill>
+              </a14:hiddenFill>
+            </a:ext>
+          </a:extLst>
+        </p:spPr>
+      </p:pic>
     </p:spTree>
     <p:extLst>
       <p:ext uri="{BB962C8B-B14F-4D97-AF65-F5344CB8AC3E}">
@@ -10457,64 +10457,6 @@
           </a:p>
         </p:txBody>
       </p:sp>
-      <p:pic>
-        <p:nvPicPr>
-          <p:cNvPr id="4" name="図 3">
-            <a:extLst>
-              <a:ext uri="{FF2B5EF4-FFF2-40B4-BE49-F238E27FC236}">
-                <a16:creationId xmlns:a16="http://schemas.microsoft.com/office/drawing/2014/main" id="{893FE16C-03BB-7BCD-A1F4-099B21129204}"/>
-              </a:ext>
-            </a:extLst>
-          </p:cNvPr>
-          <p:cNvPicPr>
-            <a:picLocks noChangeAspect="1"/>
-          </p:cNvPicPr>
-          <p:nvPr/>
-        </p:nvPicPr>
-        <p:blipFill rotWithShape="1">
-          <a:blip r:embed="rId2"/>
-          <a:srcRect l="18500" r="19096"/>
-          <a:stretch/>
-        </p:blipFill>
-        <p:spPr>
-          <a:xfrm>
-            <a:off x="1755309" y="1730046"/>
-            <a:ext cx="3012311" cy="3620328"/>
-          </a:xfrm>
-          <a:prstGeom prst="rect">
-            <a:avLst/>
-          </a:prstGeom>
-        </p:spPr>
-      </p:pic>
-      <p:pic>
-        <p:nvPicPr>
-          <p:cNvPr id="6" name="図 5">
-            <a:extLst>
-              <a:ext uri="{FF2B5EF4-FFF2-40B4-BE49-F238E27FC236}">
-                <a16:creationId xmlns:a16="http://schemas.microsoft.com/office/drawing/2014/main" id="{19A4A7D0-0E88-37E5-C167-7161BB72D27B}"/>
-              </a:ext>
-            </a:extLst>
-          </p:cNvPr>
-          <p:cNvPicPr>
-            <a:picLocks noChangeAspect="1"/>
-          </p:cNvPicPr>
-          <p:nvPr/>
-        </p:nvPicPr>
-        <p:blipFill rotWithShape="1">
-          <a:blip r:embed="rId2"/>
-          <a:srcRect l="18500" r="19096"/>
-          <a:stretch/>
-        </p:blipFill>
-        <p:spPr>
-          <a:xfrm>
-            <a:off x="7676457" y="1730046"/>
-            <a:ext cx="3012311" cy="3620328"/>
-          </a:xfrm>
-          <a:prstGeom prst="rect">
-            <a:avLst/>
-          </a:prstGeom>
-        </p:spPr>
-      </p:pic>
       <p:sp>
         <p:nvSpPr>
           <p:cNvPr id="7" name="テキスト ボックス 6">
@@ -10923,6 +10865,96 @@
           </a:p>
         </p:txBody>
       </p:sp>
+      <p:pic>
+        <p:nvPicPr>
+          <p:cNvPr id="1026" name="Picture 2">
+            <a:extLst>
+              <a:ext uri="{FF2B5EF4-FFF2-40B4-BE49-F238E27FC236}">
+                <a16:creationId xmlns:a16="http://schemas.microsoft.com/office/drawing/2014/main" id="{40A26A29-F4A8-0DF6-BD7E-C6F5A02A9408}"/>
+              </a:ext>
+            </a:extLst>
+          </p:cNvPr>
+          <p:cNvPicPr>
+            <a:picLocks noChangeAspect="1" noChangeArrowheads="1"/>
+          </p:cNvPicPr>
+          <p:nvPr/>
+        </p:nvPicPr>
+        <p:blipFill rotWithShape="1">
+          <a:blip r:embed="rId2">
+            <a:extLst>
+              <a:ext uri="{28A0092B-C50C-407E-A947-70E740481C1C}">
+                <a14:useLocalDpi xmlns:a14="http://schemas.microsoft.com/office/drawing/2010/main" val="0"/>
+              </a:ext>
+            </a:extLst>
+          </a:blip>
+          <a:srcRect l="12296" t="3859" r="12012"/>
+          <a:stretch/>
+        </p:blipFill>
+        <p:spPr bwMode="auto">
+          <a:xfrm>
+            <a:off x="1414783" y="1888909"/>
+            <a:ext cx="3725228" cy="3548727"/>
+          </a:xfrm>
+          <a:prstGeom prst="rect">
+            <a:avLst/>
+          </a:prstGeom>
+          <a:noFill/>
+          <a:extLst>
+            <a:ext uri="{909E8E84-426E-40DD-AFC4-6F175D3DCCD1}">
+              <a14:hiddenFill xmlns:a14="http://schemas.microsoft.com/office/drawing/2010/main">
+                <a:solidFill>
+                  <a:srgbClr val="FFFFFF"/>
+                </a:solidFill>
+              </a14:hiddenFill>
+            </a:ext>
+          </a:extLst>
+        </p:spPr>
+      </p:pic>
+      <p:pic>
+        <p:nvPicPr>
+          <p:cNvPr id="2" name="Picture 2">
+            <a:extLst>
+              <a:ext uri="{FF2B5EF4-FFF2-40B4-BE49-F238E27FC236}">
+                <a16:creationId xmlns:a16="http://schemas.microsoft.com/office/drawing/2014/main" id="{35F458CF-3481-E924-E55F-46F89A2095EE}"/>
+              </a:ext>
+            </a:extLst>
+          </p:cNvPr>
+          <p:cNvPicPr>
+            <a:picLocks noChangeAspect="1" noChangeArrowheads="1"/>
+          </p:cNvPicPr>
+          <p:nvPr/>
+        </p:nvPicPr>
+        <p:blipFill rotWithShape="1">
+          <a:blip r:embed="rId2">
+            <a:extLst>
+              <a:ext uri="{28A0092B-C50C-407E-A947-70E740481C1C}">
+                <a14:useLocalDpi xmlns:a14="http://schemas.microsoft.com/office/drawing/2010/main" val="0"/>
+              </a:ext>
+            </a:extLst>
+          </a:blip>
+          <a:srcRect l="12296" t="3859" r="12012"/>
+          <a:stretch/>
+        </p:blipFill>
+        <p:spPr bwMode="auto">
+          <a:xfrm>
+            <a:off x="7319999" y="1888198"/>
+            <a:ext cx="3725228" cy="3548727"/>
+          </a:xfrm>
+          <a:prstGeom prst="rect">
+            <a:avLst/>
+          </a:prstGeom>
+          <a:noFill/>
+          <a:extLst>
+            <a:ext uri="{909E8E84-426E-40DD-AFC4-6F175D3DCCD1}">
+              <a14:hiddenFill xmlns:a14="http://schemas.microsoft.com/office/drawing/2010/main">
+                <a:solidFill>
+                  <a:srgbClr val="FFFFFF"/>
+                </a:solidFill>
+              </a14:hiddenFill>
+            </a:ext>
+          </a:extLst>
+        </p:spPr>
+      </p:pic>
     </p:spTree>
     <p:extLst>
       <p:ext uri="{BB962C8B-B14F-4D97-AF65-F5344CB8AC3E}">
